--- a/Applied Data Science Portfolio Milestone [Autosaved].pptx
+++ b/Applied Data Science Portfolio Milestone [Autosaved].pptx
@@ -8097,13 +8097,7 @@
           </a:bodyPr>
           <a:lstStyle/>
           <a:p>
-            <a:pPr marL="0" lvl="0" indent="0" algn="l" rtl="0">
-              <a:spcBef>
-                <a:spcPts val="0"/>
-              </a:spcBef>
-              <a:spcAft>
-                <a:spcPts val="0"/>
-              </a:spcAft>
+            <a:pPr marL="0" lvl="0" indent="0">
               <a:buNone/>
             </a:pPr>
             <a:r>
@@ -8165,6 +8159,30 @@
                 <a:sym typeface="Calibri"/>
               </a:rPr>
               <a:t>= Lowest)</a:t>
+            </a:r>
+            <a:r>
+              <a:rPr lang="en-US" dirty="0"/>
+              <a:t> The classification models we created 					           using the data are fairly accurate at 				                          predicting if the price of an Airbnb listing 			                          is going to be above or below the 					           average of $152.70. Each one does it 					          roughly 80% of the time, with the J48 					          decision tree model being the most 					          accurate and the </a:t>
+            </a:r>
+            <a:r>
+              <a:rPr lang="en-US" dirty="0" err="1"/>
+              <a:t>Rpart</a:t>
+            </a:r>
+            <a:r>
+              <a:rPr lang="en-US" dirty="0"/>
+              <a:t> decision </a:t>
+            </a:r>
+            <a:r>
+              <a:rPr lang="en-US"/>
+              <a:t>tree 					           model </a:t>
+            </a:r>
+            <a:r>
+              <a:rPr lang="en-US" dirty="0"/>
+              <a:t>being the least</a:t>
+            </a:r>
+            <a:r>
+              <a:rPr lang="en-US"/>
+              <a:t>. </a:t>
             </a:r>
             <a:endParaRPr lang="en-US" sz="1200" b="1" dirty="0">
               <a:solidFill>
@@ -9626,7 +9644,7 @@
                         <a:buNone/>
                       </a:pPr>
                       <a:r>
-                        <a:rPr lang="en" sz="1200">
+                        <a:rPr lang="en" sz="1200" dirty="0">
                           <a:latin typeface="Calibri"/>
                           <a:ea typeface="Calibri"/>
                           <a:cs typeface="Calibri"/>
@@ -9634,7 +9652,7 @@
                         </a:rPr>
                         <a:t>Naïve Bayes</a:t>
                       </a:r>
-                      <a:endParaRPr sz="1200">
+                      <a:endParaRPr sz="1200" dirty="0">
                         <a:latin typeface="Calibri"/>
                         <a:ea typeface="Calibri"/>
                         <a:cs typeface="Calibri"/>
@@ -11072,6 +11090,38 @@
         <p:spPr>
           <a:xfrm>
             <a:off x="5237747" y="2061411"/>
+            <a:ext cx="184731" cy="307777"/>
+          </a:xfrm>
+          <a:prstGeom prst="rect">
+            <a:avLst/>
+          </a:prstGeom>
+          <a:noFill/>
+        </p:spPr>
+        <p:txBody>
+          <a:bodyPr wrap="none" rtlCol="0">
+            <a:spAutoFit/>
+          </a:bodyPr>
+          <a:lstStyle/>
+          <a:p>
+            <a:endParaRPr lang="en-US" dirty="0"/>
+          </a:p>
+        </p:txBody>
+      </p:sp>
+      <p:sp>
+        <p:nvSpPr>
+          <p:cNvPr id="2" name="TextBox 1">
+            <a:extLst>
+              <a:ext uri="{FF2B5EF4-FFF2-40B4-BE49-F238E27FC236}">
+                <a16:creationId xmlns:a16="http://schemas.microsoft.com/office/drawing/2014/main" id="{A32BCF39-79D0-2349-9391-6B9115374352}"/>
+              </a:ext>
+            </a:extLst>
+          </p:cNvPr>
+          <p:cNvSpPr txBox="1"/>
+          <p:nvPr/>
+        </p:nvSpPr>
+        <p:spPr>
+          <a:xfrm>
+            <a:off x="5261811" y="2831432"/>
             <a:ext cx="184731" cy="307777"/>
           </a:xfrm>
           <a:prstGeom prst="rect">
